--- a/docs/presentation/presentation.pptx
+++ b/docs/presentation/presentation.pptx
@@ -5,10 +5,10 @@
     <p:sldMasterId id="2147483669" r:id="rId4"/>
   </p:sldMasterIdLst>
   <p:notesMasterIdLst>
-    <p:notesMasterId r:id="rId34"/>
+    <p:notesMasterId r:id="rId35"/>
   </p:notesMasterIdLst>
   <p:handoutMasterIdLst>
-    <p:handoutMasterId r:id="rId35"/>
+    <p:handoutMasterId r:id="rId36"/>
   </p:handoutMasterIdLst>
   <p:sldIdLst>
     <p:sldId id="256" r:id="rId5"/>
@@ -17,29 +17,30 @@
     <p:sldId id="263" r:id="rId8"/>
     <p:sldId id="267" r:id="rId9"/>
     <p:sldId id="258" r:id="rId10"/>
-    <p:sldId id="268" r:id="rId11"/>
-    <p:sldId id="269" r:id="rId12"/>
-    <p:sldId id="270" r:id="rId13"/>
-    <p:sldId id="271" r:id="rId14"/>
-    <p:sldId id="272" r:id="rId15"/>
-    <p:sldId id="273" r:id="rId16"/>
-    <p:sldId id="274" r:id="rId17"/>
-    <p:sldId id="275" r:id="rId18"/>
-    <p:sldId id="276" r:id="rId19"/>
-    <p:sldId id="294" r:id="rId20"/>
-    <p:sldId id="295" r:id="rId21"/>
-    <p:sldId id="296" r:id="rId22"/>
-    <p:sldId id="297" r:id="rId23"/>
-    <p:sldId id="298" r:id="rId24"/>
-    <p:sldId id="299" r:id="rId25"/>
-    <p:sldId id="300" r:id="rId26"/>
-    <p:sldId id="301" r:id="rId27"/>
-    <p:sldId id="302" r:id="rId28"/>
-    <p:sldId id="303" r:id="rId29"/>
-    <p:sldId id="304" r:id="rId30"/>
-    <p:sldId id="305" r:id="rId31"/>
-    <p:sldId id="292" r:id="rId32"/>
-    <p:sldId id="293" r:id="rId33"/>
+    <p:sldId id="306" r:id="rId11"/>
+    <p:sldId id="268" r:id="rId12"/>
+    <p:sldId id="269" r:id="rId13"/>
+    <p:sldId id="270" r:id="rId14"/>
+    <p:sldId id="271" r:id="rId15"/>
+    <p:sldId id="272" r:id="rId16"/>
+    <p:sldId id="273" r:id="rId17"/>
+    <p:sldId id="274" r:id="rId18"/>
+    <p:sldId id="275" r:id="rId19"/>
+    <p:sldId id="276" r:id="rId20"/>
+    <p:sldId id="294" r:id="rId21"/>
+    <p:sldId id="295" r:id="rId22"/>
+    <p:sldId id="296" r:id="rId23"/>
+    <p:sldId id="297" r:id="rId24"/>
+    <p:sldId id="298" r:id="rId25"/>
+    <p:sldId id="299" r:id="rId26"/>
+    <p:sldId id="300" r:id="rId27"/>
+    <p:sldId id="301" r:id="rId28"/>
+    <p:sldId id="302" r:id="rId29"/>
+    <p:sldId id="303" r:id="rId30"/>
+    <p:sldId id="304" r:id="rId31"/>
+    <p:sldId id="305" r:id="rId32"/>
+    <p:sldId id="292" r:id="rId33"/>
+    <p:sldId id="293" r:id="rId34"/>
   </p:sldIdLst>
   <p:sldSz cx="9144000" cy="6858000" type="screen4x3"/>
   <p:notesSz cx="6797675" cy="9872663"/>
@@ -961,7 +962,7 @@
           <a:p>
             <a:fld id="{37E44704-8E6D-4CF2-8CFA-A0F7BC751896}" type="slidenum">
               <a:rPr lang="de-CH" smtClean="0"/>
-              <a:t>17</a:t>
+              <a:t>18</a:t>
             </a:fld>
             <a:endParaRPr lang="de-CH"/>
           </a:p>
@@ -1045,7 +1046,7 @@
           <a:p>
             <a:fld id="{37E44704-8E6D-4CF2-8CFA-A0F7BC751896}" type="slidenum">
               <a:rPr lang="de-CH" smtClean="0"/>
-              <a:t>18</a:t>
+              <a:t>19</a:t>
             </a:fld>
             <a:endParaRPr lang="de-CH"/>
           </a:p>
@@ -1133,7 +1134,7 @@
           <a:p>
             <a:fld id="{37E44704-8E6D-4CF2-8CFA-A0F7BC751896}" type="slidenum">
               <a:rPr lang="de-CH" smtClean="0"/>
-              <a:t>21</a:t>
+              <a:t>22</a:t>
             </a:fld>
             <a:endParaRPr lang="de-CH"/>
           </a:p>
@@ -1288,7 +1289,7 @@
           <a:p>
             <a:fld id="{37E44704-8E6D-4CF2-8CFA-A0F7BC751896}" type="slidenum">
               <a:rPr lang="de-CH" smtClean="0"/>
-              <a:t>23</a:t>
+              <a:t>24</a:t>
             </a:fld>
             <a:endParaRPr lang="de-CH"/>
           </a:p>
@@ -1469,7 +1470,7 @@
           <a:p>
             <a:fld id="{37E44704-8E6D-4CF2-8CFA-A0F7BC751896}" type="slidenum">
               <a:rPr lang="de-CH" smtClean="0"/>
-              <a:t>24</a:t>
+              <a:t>25</a:t>
             </a:fld>
             <a:endParaRPr lang="de-CH"/>
           </a:p>
@@ -7547,6 +7548,21 @@
               <a:t>Julien Villiger, Daniel Inversini</a:t>
             </a:r>
           </a:p>
+          <a:p>
+            <a:endParaRPr lang="de-CH" sz="1100" dirty="0" smtClean="0">
+              <a:latin typeface="Lucida Sans" pitchFamily="34" charset="0"/>
+              <a:cs typeface="Lucida Sans Unicode" pitchFamily="34" charset="0"/>
+            </a:endParaRPr>
+          </a:p>
+          <a:p>
+            <a:r>
+              <a:rPr lang="de-CH" dirty="0" smtClean="0">
+                <a:latin typeface="Lucida Sans" pitchFamily="34" charset="0"/>
+                <a:cs typeface="Lucida Sans Unicode" pitchFamily="34" charset="0"/>
+              </a:rPr>
+              <a:t>Betreuer Prof. Urs Künzler</a:t>
+            </a:r>
+          </a:p>
         </p:txBody>
       </p:sp>
       <p:sp>
@@ -7760,92 +7776,32 @@
             </a:r>
           </a:p>
           <a:p>
-            <a:endParaRPr lang="de-CH" dirty="0" smtClean="0"/>
-          </a:p>
-          <a:p>
-            <a:r>
-              <a:rPr lang="de-CH" dirty="0" err="1"/>
-              <a:t>M</a:t>
-            </a:r>
-            <a:r>
-              <a:rPr lang="de-CH" dirty="0" err="1" smtClean="0"/>
-              <a:t>iddleVR</a:t>
-            </a:r>
+            <a:pPr lvl="1"/>
             <a:r>
               <a:rPr lang="de-CH" dirty="0" smtClean="0"/>
-              <a:t> </a:t>
-            </a:r>
-            <a:endParaRPr lang="de-CH" dirty="0" smtClean="0"/>
+              <a:t>Mehrere Instanzen</a:t>
+            </a:r>
+          </a:p>
+          <a:p>
+            <a:pPr lvl="2"/>
+            <a:r>
+              <a:rPr lang="de-CH" dirty="0" smtClean="0"/>
+              <a:t>Synchronisierung!</a:t>
+            </a:r>
           </a:p>
           <a:p>
             <a:pPr lvl="1"/>
             <a:r>
               <a:rPr lang="de-CH" dirty="0" smtClean="0"/>
-              <a:t>Bietet bereits Unity </a:t>
-            </a:r>
-            <a:r>
-              <a:rPr lang="de-CH" dirty="0" err="1" smtClean="0"/>
-              <a:t>Plugin</a:t>
-            </a:r>
-            <a:endParaRPr lang="de-CH" dirty="0" smtClean="0"/>
-          </a:p>
-          <a:p>
-            <a:pPr lvl="1"/>
+              <a:t>Eine Instanz</a:t>
+            </a:r>
+          </a:p>
+          <a:p>
+            <a:pPr lvl="2"/>
             <a:r>
               <a:rPr lang="de-CH" dirty="0" smtClean="0"/>
-              <a:t>Unterstützt verschiedenste Geräte</a:t>
-            </a:r>
-          </a:p>
-          <a:p>
-            <a:pPr lvl="2"/>
-            <a:r>
-              <a:rPr lang="de-CH" dirty="0" smtClean="0"/>
-              <a:t>CAVEs</a:t>
-            </a:r>
-            <a:r>
-              <a:rPr lang="de-CH" dirty="0" smtClean="0"/>
-              <a:t>, </a:t>
-            </a:r>
-            <a:r>
-              <a:rPr lang="de-CH" dirty="0" err="1" smtClean="0"/>
-              <a:t>Oculus</a:t>
-            </a:r>
-            <a:r>
-              <a:rPr lang="de-CH" dirty="0" smtClean="0"/>
-              <a:t> Rift, </a:t>
-            </a:r>
-            <a:r>
-              <a:rPr lang="de-CH" dirty="0" err="1" smtClean="0"/>
-              <a:t>Leap</a:t>
-            </a:r>
-            <a:r>
-              <a:rPr lang="de-CH" dirty="0" smtClean="0"/>
-              <a:t> </a:t>
-            </a:r>
-            <a:r>
-              <a:rPr lang="de-CH" dirty="0" err="1" smtClean="0"/>
-              <a:t>motion</a:t>
-            </a:r>
-            <a:r>
-              <a:rPr lang="de-CH" dirty="0" smtClean="0"/>
-              <a:t>, </a:t>
-            </a:r>
-            <a:r>
-              <a:rPr lang="de-CH" dirty="0" smtClean="0"/>
-              <a:t>etc.</a:t>
-            </a:r>
-            <a:endParaRPr lang="de-CH" dirty="0" smtClean="0"/>
-          </a:p>
-          <a:p>
-            <a:pPr lvl="1"/>
-            <a:r>
-              <a:rPr lang="de-CH" dirty="0" smtClean="0"/>
-              <a:t>Aktuelle und moderne Software</a:t>
-            </a:r>
-          </a:p>
-          <a:p>
-            <a:pPr lvl="1"/>
-            <a:endParaRPr lang="de-CH" dirty="0" smtClean="0"/>
+              <a:t>Architektur (Hardware)</a:t>
+            </a:r>
           </a:p>
           <a:p>
             <a:endParaRPr lang="de-CH" dirty="0" smtClean="0"/>
@@ -7859,7 +7815,7 @@
     </p:spTree>
     <p:extLst>
       <p:ext uri="{BB962C8B-B14F-4D97-AF65-F5344CB8AC3E}">
-        <p14:creationId xmlns:p14="http://schemas.microsoft.com/office/powerpoint/2010/main" val="721413600"/>
+        <p14:creationId xmlns:p14="http://schemas.microsoft.com/office/powerpoint/2010/main" val="2887831096"/>
       </p:ext>
     </p:extLst>
   </p:cSld>
@@ -7933,7 +7889,7 @@
           <a:p>
             <a:r>
               <a:rPr lang="de-CH" dirty="0" smtClean="0"/>
-              <a:t>Gegenüberstellung</a:t>
+              <a:t>Varianten</a:t>
             </a:r>
             <a:endParaRPr lang="de-CH" dirty="0"/>
           </a:p>
@@ -7960,22 +7916,138 @@
             </a:r>
           </a:p>
           <a:p>
+            <a:endParaRPr lang="de-CH" dirty="0" smtClean="0"/>
+          </a:p>
+          <a:p>
+            <a:r>
+              <a:rPr lang="de-CH" dirty="0" smtClean="0"/>
+              <a:t>Chromium</a:t>
+            </a:r>
+          </a:p>
+          <a:p>
+            <a:endParaRPr lang="de-CH" dirty="0" smtClean="0"/>
+          </a:p>
+          <a:p>
+            <a:r>
+              <a:rPr lang="de-CH" dirty="0" smtClean="0"/>
+              <a:t>Eigene Lösung</a:t>
+            </a:r>
+          </a:p>
+          <a:p>
+            <a:endParaRPr lang="de-CH" dirty="0" smtClean="0"/>
+          </a:p>
+          <a:p>
+            <a:r>
+              <a:rPr lang="de-CH" dirty="0" err="1"/>
+              <a:t>M</a:t>
+            </a:r>
+            <a:r>
+              <a:rPr lang="de-CH" dirty="0" err="1" smtClean="0"/>
+              <a:t>iddleVR</a:t>
+            </a:r>
+            <a:r>
+              <a:rPr lang="de-CH" dirty="0" smtClean="0"/>
+              <a:t> </a:t>
+            </a:r>
+          </a:p>
+          <a:p>
             <a:pPr lvl="1"/>
             <a:r>
               <a:rPr lang="de-CH" dirty="0" smtClean="0"/>
-              <a:t>Wrapper nur für Graphik vorhanden, Physik &amp; KI fehlen</a:t>
-            </a:r>
+              <a:t>Bietet bereits Unity </a:t>
+            </a:r>
+            <a:r>
+              <a:rPr lang="de-CH" dirty="0" err="1" smtClean="0"/>
+              <a:t>Plugin</a:t>
+            </a:r>
+            <a:endParaRPr lang="de-CH" dirty="0" smtClean="0"/>
           </a:p>
           <a:p>
             <a:pPr lvl="1"/>
-            <a:endParaRPr lang="de-CH" dirty="0"/>
-          </a:p>
-        </p:txBody>
-      </p:sp>
+            <a:r>
+              <a:rPr lang="de-CH" dirty="0" smtClean="0"/>
+              <a:t>Unterstützt verschiedenste Geräte</a:t>
+            </a:r>
+          </a:p>
+          <a:p>
+            <a:pPr lvl="2"/>
+            <a:r>
+              <a:rPr lang="de-CH" dirty="0" smtClean="0"/>
+              <a:t>CAVEs, </a:t>
+            </a:r>
+            <a:r>
+              <a:rPr lang="de-CH" dirty="0" err="1" smtClean="0"/>
+              <a:t>Oculus</a:t>
+            </a:r>
+            <a:r>
+              <a:rPr lang="de-CH" dirty="0" smtClean="0"/>
+              <a:t> Rift, </a:t>
+            </a:r>
+            <a:r>
+              <a:rPr lang="de-CH" dirty="0" err="1" smtClean="0"/>
+              <a:t>Leap</a:t>
+            </a:r>
+            <a:r>
+              <a:rPr lang="de-CH" dirty="0" smtClean="0"/>
+              <a:t> </a:t>
+            </a:r>
+            <a:r>
+              <a:rPr lang="de-CH" dirty="0" err="1" smtClean="0"/>
+              <a:t>motion</a:t>
+            </a:r>
+            <a:r>
+              <a:rPr lang="de-CH" dirty="0" smtClean="0"/>
+              <a:t>, etc.</a:t>
+            </a:r>
+          </a:p>
+          <a:p>
+            <a:pPr lvl="1"/>
+            <a:r>
+              <a:rPr lang="de-CH" dirty="0" smtClean="0"/>
+              <a:t>Aktuelle und moderne Software</a:t>
+            </a:r>
+          </a:p>
+          <a:p>
+            <a:pPr lvl="1"/>
+            <a:endParaRPr lang="de-CH" dirty="0" smtClean="0"/>
+          </a:p>
+          <a:p>
+            <a:endParaRPr lang="de-CH" dirty="0" smtClean="0"/>
+          </a:p>
+          <a:p>
+            <a:pPr lvl="2"/>
+            <a:endParaRPr lang="de-CH" dirty="0" smtClean="0"/>
+          </a:p>
+        </p:txBody>
+      </p:sp>
+      <p:pic>
+        <p:nvPicPr>
+          <p:cNvPr id="5" name="Grafik 4"/>
+          <p:cNvPicPr>
+            <a:picLocks noChangeAspect="1"/>
+          </p:cNvPicPr>
+          <p:nvPr/>
+        </p:nvPicPr>
+        <p:blipFill>
+          <a:blip r:embed="rId2"/>
+          <a:stretch>
+            <a:fillRect/>
+          </a:stretch>
+        </p:blipFill>
+        <p:spPr>
+          <a:xfrm>
+            <a:off x="4971375" y="1440000"/>
+            <a:ext cx="3596625" cy="2606067"/>
+          </a:xfrm>
+          <a:prstGeom prst="rect">
+            <a:avLst/>
+          </a:prstGeom>
+        </p:spPr>
+      </p:pic>
     </p:spTree>
     <p:extLst>
       <p:ext uri="{BB962C8B-B14F-4D97-AF65-F5344CB8AC3E}">
-        <p14:creationId xmlns:p14="http://schemas.microsoft.com/office/powerpoint/2010/main" val="3831115017"/>
+        <p14:creationId xmlns:p14="http://schemas.microsoft.com/office/powerpoint/2010/main" val="721413600"/>
       </p:ext>
     </p:extLst>
   </p:cSld>
@@ -8071,6 +8143,122 @@
           <a:lstStyle/>
           <a:p>
             <a:r>
+              <a:rPr lang="de-CH" dirty="0" smtClean="0"/>
+              <a:t>Equalizer</a:t>
+            </a:r>
+          </a:p>
+          <a:p>
+            <a:pPr lvl="1"/>
+            <a:r>
+              <a:rPr lang="de-CH" dirty="0" smtClean="0"/>
+              <a:t>Wrapper nur für Graphik vorhanden, Physik &amp; KI fehlen</a:t>
+            </a:r>
+          </a:p>
+          <a:p>
+            <a:pPr lvl="1"/>
+            <a:endParaRPr lang="de-CH" dirty="0"/>
+          </a:p>
+        </p:txBody>
+      </p:sp>
+    </p:spTree>
+    <p:extLst>
+      <p:ext uri="{BB962C8B-B14F-4D97-AF65-F5344CB8AC3E}">
+        <p14:creationId xmlns:p14="http://schemas.microsoft.com/office/powerpoint/2010/main" val="3831115017"/>
+      </p:ext>
+    </p:extLst>
+  </p:cSld>
+  <p:clrMapOvr>
+    <a:masterClrMapping/>
+  </p:clrMapOvr>
+  <p:timing>
+    <p:tnLst>
+      <p:par>
+        <p:cTn id="1" dur="indefinite" restart="never" nodeType="tmRoot"/>
+      </p:par>
+    </p:tnLst>
+  </p:timing>
+</p:sld>
+</file>
+
+<file path=ppt/slides/slide13.xml><?xml version="1.0" encoding="utf-8"?>
+<p:sld xmlns:a="http://schemas.openxmlformats.org/drawingml/2006/main" xmlns:r="http://schemas.openxmlformats.org/officeDocument/2006/relationships" xmlns:p="http://schemas.openxmlformats.org/presentationml/2006/main">
+  <p:cSld>
+    <p:spTree>
+      <p:nvGrpSpPr>
+        <p:cNvPr id="1" name=""/>
+        <p:cNvGrpSpPr/>
+        <p:nvPr/>
+      </p:nvGrpSpPr>
+      <p:grpSpPr>
+        <a:xfrm>
+          <a:off x="0" y="0"/>
+          <a:ext cx="0" cy="0"/>
+          <a:chOff x="0" y="0"/>
+          <a:chExt cx="0" cy="0"/>
+        </a:xfrm>
+      </p:grpSpPr>
+      <p:sp>
+        <p:nvSpPr>
+          <p:cNvPr id="2" name="Titel 1"/>
+          <p:cNvSpPr>
+            <a:spLocks noGrp="1"/>
+          </p:cNvSpPr>
+          <p:nvPr>
+            <p:ph type="ctrTitle"/>
+          </p:nvPr>
+        </p:nvSpPr>
+        <p:spPr/>
+        <p:txBody>
+          <a:bodyPr/>
+          <a:lstStyle/>
+          <a:p>
+            <a:r>
+              <a:rPr lang="de-CH" dirty="0" smtClean="0"/>
+              <a:t>Voranalyse</a:t>
+            </a:r>
+            <a:endParaRPr lang="de-CH" dirty="0"/>
+          </a:p>
+        </p:txBody>
+      </p:sp>
+      <p:sp>
+        <p:nvSpPr>
+          <p:cNvPr id="3" name="Textplatzhalter 2"/>
+          <p:cNvSpPr>
+            <a:spLocks noGrp="1"/>
+          </p:cNvSpPr>
+          <p:nvPr>
+            <p:ph type="body" idx="1"/>
+          </p:nvPr>
+        </p:nvSpPr>
+        <p:spPr/>
+        <p:txBody>
+          <a:bodyPr/>
+          <a:lstStyle/>
+          <a:p>
+            <a:r>
+              <a:rPr lang="de-CH" dirty="0" smtClean="0"/>
+              <a:t>Gegenüberstellung</a:t>
+            </a:r>
+            <a:endParaRPr lang="de-CH" dirty="0"/>
+          </a:p>
+        </p:txBody>
+      </p:sp>
+      <p:sp>
+        <p:nvSpPr>
+          <p:cNvPr id="4" name="Inhaltsplatzhalter 3"/>
+          <p:cNvSpPr>
+            <a:spLocks noGrp="1"/>
+          </p:cNvSpPr>
+          <p:nvPr>
+            <p:ph sz="half" idx="13"/>
+          </p:nvPr>
+        </p:nvSpPr>
+        <p:spPr/>
+        <p:txBody>
+          <a:bodyPr/>
+          <a:lstStyle/>
+          <a:p>
+            <a:r>
               <a:rPr lang="de-CH" strike="dblStrike" dirty="0" smtClean="0"/>
               <a:t>Equalizer</a:t>
             </a:r>
@@ -8128,7 +8316,7 @@
 </p:sld>
 </file>
 
-<file path=ppt/slides/slide13.xml><?xml version="1.0" encoding="utf-8"?>
+<file path=ppt/slides/slide14.xml><?xml version="1.0" encoding="utf-8"?>
 <p:sld xmlns:a="http://schemas.openxmlformats.org/drawingml/2006/main" xmlns:r="http://schemas.openxmlformats.org/officeDocument/2006/relationships" xmlns:p="http://schemas.openxmlformats.org/presentationml/2006/main">
   <p:cSld>
     <p:spTree>
@@ -8316,7 +8504,7 @@
 </p:sld>
 </file>
 
-<file path=ppt/slides/slide14.xml><?xml version="1.0" encoding="utf-8"?>
+<file path=ppt/slides/slide15.xml><?xml version="1.0" encoding="utf-8"?>
 <p:sld xmlns:a="http://schemas.openxmlformats.org/drawingml/2006/main" xmlns:r="http://schemas.openxmlformats.org/officeDocument/2006/relationships" xmlns:p="http://schemas.openxmlformats.org/presentationml/2006/main">
   <p:cSld>
     <p:spTree>
@@ -8549,7 +8737,7 @@
 </p:sld>
 </file>
 
-<file path=ppt/slides/slide15.xml><?xml version="1.0" encoding="utf-8"?>
+<file path=ppt/slides/slide16.xml><?xml version="1.0" encoding="utf-8"?>
 <p:sld xmlns:a="http://schemas.openxmlformats.org/drawingml/2006/main" xmlns:r="http://schemas.openxmlformats.org/officeDocument/2006/relationships" xmlns:p="http://schemas.openxmlformats.org/presentationml/2006/main">
   <p:cSld>
     <p:spTree>
@@ -8716,89 +8904,6 @@
 </p:sld>
 </file>
 
-<file path=ppt/slides/slide16.xml><?xml version="1.0" encoding="utf-8"?>
-<p:sld xmlns:a="http://schemas.openxmlformats.org/drawingml/2006/main" xmlns:r="http://schemas.openxmlformats.org/officeDocument/2006/relationships" xmlns:p="http://schemas.openxmlformats.org/presentationml/2006/main">
-  <p:cSld>
-    <p:spTree>
-      <p:nvGrpSpPr>
-        <p:cNvPr id="1" name=""/>
-        <p:cNvGrpSpPr/>
-        <p:nvPr/>
-      </p:nvGrpSpPr>
-      <p:grpSpPr>
-        <a:xfrm>
-          <a:off x="0" y="0"/>
-          <a:ext cx="0" cy="0"/>
-          <a:chOff x="0" y="0"/>
-          <a:chExt cx="0" cy="0"/>
-        </a:xfrm>
-      </p:grpSpPr>
-      <p:sp>
-        <p:nvSpPr>
-          <p:cNvPr id="5" name="Titel 4"/>
-          <p:cNvSpPr>
-            <a:spLocks noGrp="1"/>
-          </p:cNvSpPr>
-          <p:nvPr>
-            <p:ph type="ctrTitle"/>
-          </p:nvPr>
-        </p:nvSpPr>
-        <p:spPr/>
-        <p:txBody>
-          <a:bodyPr/>
-          <a:lstStyle/>
-          <a:p>
-            <a:r>
-              <a:rPr lang="de-CH" dirty="0" smtClean="0"/>
-              <a:t>Ausgangslage </a:t>
-            </a:r>
-            <a:r>
-              <a:rPr lang="de-CH" dirty="0" err="1" smtClean="0"/>
-              <a:t>Prototyping</a:t>
-            </a:r>
-            <a:endParaRPr lang="de-CH" dirty="0"/>
-          </a:p>
-        </p:txBody>
-      </p:sp>
-      <p:sp>
-        <p:nvSpPr>
-          <p:cNvPr id="6" name="Untertitel 5"/>
-          <p:cNvSpPr>
-            <a:spLocks noGrp="1"/>
-          </p:cNvSpPr>
-          <p:nvPr>
-            <p:ph type="subTitle" idx="1"/>
-          </p:nvPr>
-        </p:nvSpPr>
-        <p:spPr/>
-        <p:txBody>
-          <a:bodyPr/>
-          <a:lstStyle/>
-          <a:p>
-            <a:endParaRPr lang="de-CH"/>
-          </a:p>
-        </p:txBody>
-      </p:sp>
-    </p:spTree>
-    <p:extLst>
-      <p:ext uri="{BB962C8B-B14F-4D97-AF65-F5344CB8AC3E}">
-        <p14:creationId xmlns:p14="http://schemas.microsoft.com/office/powerpoint/2010/main" val="649087481"/>
-      </p:ext>
-    </p:extLst>
-  </p:cSld>
-  <p:clrMapOvr>
-    <a:masterClrMapping/>
-  </p:clrMapOvr>
-  <p:timing>
-    <p:tnLst>
-      <p:par>
-        <p:cTn id="1" dur="indefinite" restart="never" nodeType="tmRoot"/>
-      </p:par>
-    </p:tnLst>
-  </p:timing>
-</p:sld>
-</file>
-
 <file path=ppt/slides/slide17.xml><?xml version="1.0" encoding="utf-8"?>
 <p:sld xmlns:a="http://schemas.openxmlformats.org/drawingml/2006/main" xmlns:r="http://schemas.openxmlformats.org/officeDocument/2006/relationships" xmlns:p="http://schemas.openxmlformats.org/presentationml/2006/main">
   <p:cSld>
@@ -8816,38 +8921,9 @@
           <a:chExt cx="0" cy="0"/>
         </a:xfrm>
       </p:grpSpPr>
-      <p:pic>
-        <p:nvPicPr>
-          <p:cNvPr id="4" name="Inhaltsplatzhalter 3"/>
-          <p:cNvPicPr>
-            <a:picLocks noGrp="1" noChangeAspect="1"/>
-          </p:cNvPicPr>
-          <p:nvPr>
-            <p:ph sz="half" idx="1"/>
-          </p:nvPr>
-        </p:nvPicPr>
-        <p:blipFill>
-          <a:blip r:embed="rId3">
-            <a:extLst>
-              <a:ext uri="{28A0092B-C50C-407E-A947-70E740481C1C}">
-                <a14:useLocalDpi xmlns:a14="http://schemas.microsoft.com/office/drawing/2010/main" val="0"/>
-              </a:ext>
-            </a:extLst>
-          </a:blip>
-          <a:stretch>
-            <a:fillRect/>
-          </a:stretch>
-        </p:blipFill>
-        <p:spPr>
-          <a:xfrm>
-            <a:off x="1098484" y="1439863"/>
-            <a:ext cx="6839083" cy="4679950"/>
-          </a:xfrm>
-        </p:spPr>
-      </p:pic>
-      <p:sp>
-        <p:nvSpPr>
-          <p:cNvPr id="3" name="Titel 2"/>
+      <p:sp>
+        <p:nvSpPr>
+          <p:cNvPr id="5" name="Titel 4"/>
           <p:cNvSpPr>
             <a:spLocks noGrp="1"/>
           </p:cNvSpPr>
@@ -8861,21 +8937,40 @@
           <a:lstStyle/>
           <a:p>
             <a:r>
-              <a:rPr lang="de-CH" dirty="0"/>
+              <a:rPr lang="de-CH" dirty="0" smtClean="0"/>
               <a:t>Ausgangslage </a:t>
             </a:r>
             <a:r>
-              <a:rPr lang="de-CH" dirty="0" err="1"/>
+              <a:rPr lang="de-CH" dirty="0" err="1" smtClean="0"/>
               <a:t>Prototyping</a:t>
             </a:r>
             <a:endParaRPr lang="de-CH" dirty="0"/>
+          </a:p>
+        </p:txBody>
+      </p:sp>
+      <p:sp>
+        <p:nvSpPr>
+          <p:cNvPr id="6" name="Untertitel 5"/>
+          <p:cNvSpPr>
+            <a:spLocks noGrp="1"/>
+          </p:cNvSpPr>
+          <p:nvPr>
+            <p:ph type="subTitle" idx="1"/>
+          </p:nvPr>
+        </p:nvSpPr>
+        <p:spPr/>
+        <p:txBody>
+          <a:bodyPr/>
+          <a:lstStyle/>
+          <a:p>
+            <a:endParaRPr lang="de-CH"/>
           </a:p>
         </p:txBody>
       </p:sp>
     </p:spTree>
     <p:extLst>
       <p:ext uri="{BB962C8B-B14F-4D97-AF65-F5344CB8AC3E}">
-        <p14:creationId xmlns:p14="http://schemas.microsoft.com/office/powerpoint/2010/main" val="3006203620"/>
+        <p14:creationId xmlns:p14="http://schemas.microsoft.com/office/powerpoint/2010/main" val="649087481"/>
       </p:ext>
     </p:extLst>
   </p:cSld>
@@ -8909,6 +9004,99 @@
           <a:chExt cx="0" cy="0"/>
         </a:xfrm>
       </p:grpSpPr>
+      <p:pic>
+        <p:nvPicPr>
+          <p:cNvPr id="4" name="Inhaltsplatzhalter 3"/>
+          <p:cNvPicPr>
+            <a:picLocks noGrp="1" noChangeAspect="1"/>
+          </p:cNvPicPr>
+          <p:nvPr>
+            <p:ph sz="half" idx="1"/>
+          </p:nvPr>
+        </p:nvPicPr>
+        <p:blipFill>
+          <a:blip r:embed="rId3">
+            <a:extLst>
+              <a:ext uri="{28A0092B-C50C-407E-A947-70E740481C1C}">
+                <a14:useLocalDpi xmlns:a14="http://schemas.microsoft.com/office/drawing/2010/main" val="0"/>
+              </a:ext>
+            </a:extLst>
+          </a:blip>
+          <a:stretch>
+            <a:fillRect/>
+          </a:stretch>
+        </p:blipFill>
+        <p:spPr>
+          <a:xfrm>
+            <a:off x="1098484" y="1439863"/>
+            <a:ext cx="6839083" cy="4679950"/>
+          </a:xfrm>
+        </p:spPr>
+      </p:pic>
+      <p:sp>
+        <p:nvSpPr>
+          <p:cNvPr id="3" name="Titel 2"/>
+          <p:cNvSpPr>
+            <a:spLocks noGrp="1"/>
+          </p:cNvSpPr>
+          <p:nvPr>
+            <p:ph type="ctrTitle"/>
+          </p:nvPr>
+        </p:nvSpPr>
+        <p:spPr/>
+        <p:txBody>
+          <a:bodyPr/>
+          <a:lstStyle/>
+          <a:p>
+            <a:r>
+              <a:rPr lang="de-CH" dirty="0"/>
+              <a:t>Ausgangslage </a:t>
+            </a:r>
+            <a:r>
+              <a:rPr lang="de-CH" dirty="0" err="1"/>
+              <a:t>Prototyping</a:t>
+            </a:r>
+            <a:endParaRPr lang="de-CH" dirty="0"/>
+          </a:p>
+        </p:txBody>
+      </p:sp>
+    </p:spTree>
+    <p:extLst>
+      <p:ext uri="{BB962C8B-B14F-4D97-AF65-F5344CB8AC3E}">
+        <p14:creationId xmlns:p14="http://schemas.microsoft.com/office/powerpoint/2010/main" val="3006203620"/>
+      </p:ext>
+    </p:extLst>
+  </p:cSld>
+  <p:clrMapOvr>
+    <a:masterClrMapping/>
+  </p:clrMapOvr>
+  <p:timing>
+    <p:tnLst>
+      <p:par>
+        <p:cTn id="1" dur="indefinite" restart="never" nodeType="tmRoot"/>
+      </p:par>
+    </p:tnLst>
+  </p:timing>
+</p:sld>
+</file>
+
+<file path=ppt/slides/slide19.xml><?xml version="1.0" encoding="utf-8"?>
+<p:sld xmlns:a="http://schemas.openxmlformats.org/drawingml/2006/main" xmlns:r="http://schemas.openxmlformats.org/officeDocument/2006/relationships" xmlns:p="http://schemas.openxmlformats.org/presentationml/2006/main">
+  <p:cSld>
+    <p:spTree>
+      <p:nvGrpSpPr>
+        <p:cNvPr id="1" name=""/>
+        <p:cNvGrpSpPr/>
+        <p:nvPr/>
+      </p:nvGrpSpPr>
+      <p:grpSpPr>
+        <a:xfrm>
+          <a:off x="0" y="0"/>
+          <a:ext cx="0" cy="0"/>
+          <a:chOff x="0" y="0"/>
+          <a:chExt cx="0" cy="0"/>
+        </a:xfrm>
+      </p:grpSpPr>
       <p:sp>
         <p:nvSpPr>
           <p:cNvPr id="7" name="Titel 6"/>
@@ -8949,7 +9137,7 @@
         </p:nvGraphicFramePr>
         <p:xfrm>
           <a:off x="468313" y="1980000"/>
-          <a:ext cx="3959225" cy="2225040"/>
+          <a:ext cx="3959225" cy="2494280"/>
         </p:xfrm>
         <a:graphic>
           <a:graphicData uri="http://schemas.openxmlformats.org/drawingml/2006/table">
@@ -9502,7 +9690,147 @@
 </p:sld>
 </file>
 
-<file path=ppt/slides/slide19.xml><?xml version="1.0" encoding="utf-8"?>
+<file path=ppt/slides/slide2.xml><?xml version="1.0" encoding="utf-8"?>
+<p:sld xmlns:a="http://schemas.openxmlformats.org/drawingml/2006/main" xmlns:r="http://schemas.openxmlformats.org/officeDocument/2006/relationships" xmlns:p="http://schemas.openxmlformats.org/presentationml/2006/main">
+  <p:cSld>
+    <p:spTree>
+      <p:nvGrpSpPr>
+        <p:cNvPr id="1" name=""/>
+        <p:cNvGrpSpPr/>
+        <p:nvPr/>
+      </p:nvGrpSpPr>
+      <p:grpSpPr>
+        <a:xfrm>
+          <a:off x="0" y="0"/>
+          <a:ext cx="0" cy="0"/>
+          <a:chOff x="0" y="0"/>
+          <a:chExt cx="0" cy="0"/>
+        </a:xfrm>
+      </p:grpSpPr>
+      <p:sp>
+        <p:nvSpPr>
+          <p:cNvPr id="2" name="Inhaltsplatzhalter 1"/>
+          <p:cNvSpPr>
+            <a:spLocks noGrp="1"/>
+          </p:cNvSpPr>
+          <p:nvPr>
+            <p:ph sz="half" idx="1"/>
+          </p:nvPr>
+        </p:nvSpPr>
+        <p:spPr/>
+        <p:txBody>
+          <a:bodyPr/>
+          <a:lstStyle/>
+          <a:p>
+            <a:r>
+              <a:rPr lang="de-CH" dirty="0" smtClean="0"/>
+              <a:t>Aufgabenstellung Projekt 2</a:t>
+            </a:r>
+          </a:p>
+          <a:p>
+            <a:endParaRPr lang="de-CH" dirty="0"/>
+          </a:p>
+          <a:p>
+            <a:r>
+              <a:rPr lang="de-CH" dirty="0" smtClean="0"/>
+              <a:t>Voranalyse</a:t>
+            </a:r>
+          </a:p>
+          <a:p>
+            <a:endParaRPr lang="de-CH" dirty="0"/>
+          </a:p>
+          <a:p>
+            <a:r>
+              <a:rPr lang="de-CH" dirty="0" smtClean="0"/>
+              <a:t>Prototypen</a:t>
+            </a:r>
+          </a:p>
+          <a:p>
+            <a:endParaRPr lang="de-CH" dirty="0"/>
+          </a:p>
+          <a:p>
+            <a:r>
+              <a:rPr lang="de-CH" dirty="0" smtClean="0"/>
+              <a:t>Auswertung</a:t>
+            </a:r>
+          </a:p>
+          <a:p>
+            <a:endParaRPr lang="de-CH" dirty="0"/>
+          </a:p>
+          <a:p>
+            <a:r>
+              <a:rPr lang="de-CH" dirty="0" smtClean="0"/>
+              <a:t>Finaler Entscheid</a:t>
+            </a:r>
+          </a:p>
+          <a:p>
+            <a:endParaRPr lang="de-CH" dirty="0"/>
+          </a:p>
+          <a:p>
+            <a:r>
+              <a:rPr lang="de-CH" dirty="0" smtClean="0"/>
+              <a:t>Fragen</a:t>
+            </a:r>
+            <a:endParaRPr lang="de-CH" dirty="0"/>
+          </a:p>
+        </p:txBody>
+      </p:sp>
+      <p:sp>
+        <p:nvSpPr>
+          <p:cNvPr id="3" name="Titel 2"/>
+          <p:cNvSpPr>
+            <a:spLocks noGrp="1"/>
+          </p:cNvSpPr>
+          <p:nvPr>
+            <p:ph type="ctrTitle"/>
+          </p:nvPr>
+        </p:nvSpPr>
+        <p:spPr/>
+        <p:txBody>
+          <a:bodyPr/>
+          <a:lstStyle/>
+          <a:p>
+            <a:r>
+              <a:rPr lang="de-CH" dirty="0" err="1" smtClean="0"/>
+              <a:t>Unity</a:t>
+            </a:r>
+            <a:r>
+              <a:rPr lang="de-CH" dirty="0" smtClean="0"/>
+              <a:t> in CAVE</a:t>
+            </a:r>
+            <a:endParaRPr lang="de-CH" dirty="0"/>
+          </a:p>
+        </p:txBody>
+      </p:sp>
+    </p:spTree>
+    <p:extLst>
+      <p:ext uri="{BB962C8B-B14F-4D97-AF65-F5344CB8AC3E}">
+        <p14:creationId xmlns:p14="http://schemas.microsoft.com/office/powerpoint/2010/main" val="3531740184"/>
+      </p:ext>
+    </p:extLst>
+  </p:cSld>
+  <p:clrMapOvr>
+    <a:masterClrMapping/>
+  </p:clrMapOvr>
+  <mc:AlternateContent xmlns:mc="http://schemas.openxmlformats.org/markup-compatibility/2006" xmlns:p14="http://schemas.microsoft.com/office/powerpoint/2010/main">
+    <mc:Choice Requires="p14">
+      <p:transition spd="slow" p14:dur="2000" advTm="845"/>
+    </mc:Choice>
+    <mc:Fallback xmlns="">
+      <p:transition spd="slow" advTm="845"/>
+    </mc:Fallback>
+  </mc:AlternateContent>
+  <p:timing>
+    <p:tnLst>
+      <p:par>
+        <p:cTn id="1" dur="indefinite" restart="never" nodeType="tmRoot"/>
+      </p:par>
+    </p:tnLst>
+  </p:timing>
+</p:sld>
+</file>
+
+<file path=ppt/slides/slide20.xml><?xml version="1.0" encoding="utf-8"?>
 <p:sld xmlns:a="http://schemas.openxmlformats.org/drawingml/2006/main" xmlns:r="http://schemas.openxmlformats.org/officeDocument/2006/relationships" xmlns:p="http://schemas.openxmlformats.org/presentationml/2006/main">
   <p:cSld>
     <p:spTree>
@@ -9675,7 +10003,7 @@
         </p:nvGraphicFramePr>
         <p:xfrm>
           <a:off x="4589463" y="1980000"/>
-          <a:ext cx="4051300" cy="2225040"/>
+          <a:ext cx="4051300" cy="2494280"/>
         </p:xfrm>
         <a:graphic>
           <a:graphicData uri="http://schemas.openxmlformats.org/drawingml/2006/table">
@@ -10046,7 +10374,7 @@
 </p:sld>
 </file>
 
-<file path=ppt/slides/slide2.xml><?xml version="1.0" encoding="utf-8"?>
+<file path=ppt/slides/slide21.xml><?xml version="1.0" encoding="utf-8"?>
 <p:sld xmlns:a="http://schemas.openxmlformats.org/drawingml/2006/main" xmlns:r="http://schemas.openxmlformats.org/officeDocument/2006/relationships" xmlns:p="http://schemas.openxmlformats.org/presentationml/2006/main">
   <p:cSld>
     <p:spTree>
@@ -10065,146 +10393,6 @@
       </p:grpSpPr>
       <p:sp>
         <p:nvSpPr>
-          <p:cNvPr id="2" name="Inhaltsplatzhalter 1"/>
-          <p:cNvSpPr>
-            <a:spLocks noGrp="1"/>
-          </p:cNvSpPr>
-          <p:nvPr>
-            <p:ph sz="half" idx="1"/>
-          </p:nvPr>
-        </p:nvSpPr>
-        <p:spPr/>
-        <p:txBody>
-          <a:bodyPr/>
-          <a:lstStyle/>
-          <a:p>
-            <a:r>
-              <a:rPr lang="de-CH" dirty="0" smtClean="0"/>
-              <a:t>Aufgabenstellung Projekt 2</a:t>
-            </a:r>
-          </a:p>
-          <a:p>
-            <a:endParaRPr lang="de-CH" dirty="0"/>
-          </a:p>
-          <a:p>
-            <a:r>
-              <a:rPr lang="de-CH" dirty="0" smtClean="0"/>
-              <a:t>Voranalyse</a:t>
-            </a:r>
-          </a:p>
-          <a:p>
-            <a:endParaRPr lang="de-CH" dirty="0"/>
-          </a:p>
-          <a:p>
-            <a:r>
-              <a:rPr lang="de-CH" dirty="0" smtClean="0"/>
-              <a:t>Prototypen</a:t>
-            </a:r>
-          </a:p>
-          <a:p>
-            <a:endParaRPr lang="de-CH" dirty="0"/>
-          </a:p>
-          <a:p>
-            <a:r>
-              <a:rPr lang="de-CH" dirty="0" smtClean="0"/>
-              <a:t>Auswertung</a:t>
-            </a:r>
-          </a:p>
-          <a:p>
-            <a:endParaRPr lang="de-CH" dirty="0"/>
-          </a:p>
-          <a:p>
-            <a:r>
-              <a:rPr lang="de-CH" dirty="0" smtClean="0"/>
-              <a:t>Finaler Entscheid</a:t>
-            </a:r>
-          </a:p>
-          <a:p>
-            <a:endParaRPr lang="de-CH" dirty="0"/>
-          </a:p>
-          <a:p>
-            <a:r>
-              <a:rPr lang="de-CH" dirty="0" smtClean="0"/>
-              <a:t>Fragen</a:t>
-            </a:r>
-            <a:endParaRPr lang="de-CH" dirty="0"/>
-          </a:p>
-        </p:txBody>
-      </p:sp>
-      <p:sp>
-        <p:nvSpPr>
-          <p:cNvPr id="3" name="Titel 2"/>
-          <p:cNvSpPr>
-            <a:spLocks noGrp="1"/>
-          </p:cNvSpPr>
-          <p:nvPr>
-            <p:ph type="ctrTitle"/>
-          </p:nvPr>
-        </p:nvSpPr>
-        <p:spPr/>
-        <p:txBody>
-          <a:bodyPr/>
-          <a:lstStyle/>
-          <a:p>
-            <a:r>
-              <a:rPr lang="de-CH" dirty="0" err="1" smtClean="0"/>
-              <a:t>Unity</a:t>
-            </a:r>
-            <a:r>
-              <a:rPr lang="de-CH" dirty="0" smtClean="0"/>
-              <a:t> in CAVE</a:t>
-            </a:r>
-            <a:endParaRPr lang="de-CH" dirty="0"/>
-          </a:p>
-        </p:txBody>
-      </p:sp>
-    </p:spTree>
-    <p:extLst>
-      <p:ext uri="{BB962C8B-B14F-4D97-AF65-F5344CB8AC3E}">
-        <p14:creationId xmlns:p14="http://schemas.microsoft.com/office/powerpoint/2010/main" val="3531740184"/>
-      </p:ext>
-    </p:extLst>
-  </p:cSld>
-  <p:clrMapOvr>
-    <a:masterClrMapping/>
-  </p:clrMapOvr>
-  <mc:AlternateContent xmlns:mc="http://schemas.openxmlformats.org/markup-compatibility/2006" xmlns:p14="http://schemas.microsoft.com/office/powerpoint/2010/main">
-    <mc:Choice Requires="p14">
-      <p:transition spd="slow" p14:dur="2000" advTm="845"/>
-    </mc:Choice>
-    <mc:Fallback xmlns="">
-      <p:transition spd="slow" advTm="845"/>
-    </mc:Fallback>
-  </mc:AlternateContent>
-  <p:timing>
-    <p:tnLst>
-      <p:par>
-        <p:cTn id="1" dur="indefinite" restart="never" nodeType="tmRoot"/>
-      </p:par>
-    </p:tnLst>
-  </p:timing>
-</p:sld>
-</file>
-
-<file path=ppt/slides/slide20.xml><?xml version="1.0" encoding="utf-8"?>
-<p:sld xmlns:a="http://schemas.openxmlformats.org/drawingml/2006/main" xmlns:r="http://schemas.openxmlformats.org/officeDocument/2006/relationships" xmlns:p="http://schemas.openxmlformats.org/presentationml/2006/main">
-  <p:cSld>
-    <p:spTree>
-      <p:nvGrpSpPr>
-        <p:cNvPr id="1" name=""/>
-        <p:cNvGrpSpPr/>
-        <p:nvPr/>
-      </p:nvGrpSpPr>
-      <p:grpSpPr>
-        <a:xfrm>
-          <a:off x="0" y="0"/>
-          <a:ext cx="0" cy="0"/>
-          <a:chOff x="0" y="0"/>
-          <a:chExt cx="0" cy="0"/>
-        </a:xfrm>
-      </p:grpSpPr>
-      <p:sp>
-        <p:nvSpPr>
           <p:cNvPr id="7" name="Titel 6"/>
           <p:cNvSpPr>
             <a:spLocks noGrp="1"/>
@@ -10243,7 +10431,7 @@
         </p:nvGraphicFramePr>
         <p:xfrm>
           <a:off x="468313" y="1980000"/>
-          <a:ext cx="3959225" cy="2225040"/>
+          <a:ext cx="3959225" cy="2494280"/>
         </p:xfrm>
         <a:graphic>
           <a:graphicData uri="http://schemas.openxmlformats.org/drawingml/2006/table">
@@ -10801,7 +10989,7 @@
 </p:sld>
 </file>
 
-<file path=ppt/slides/slide21.xml><?xml version="1.0" encoding="utf-8"?>
+<file path=ppt/slides/slide22.xml><?xml version="1.0" encoding="utf-8"?>
 <p:sld xmlns:a="http://schemas.openxmlformats.org/drawingml/2006/main" xmlns:r="http://schemas.openxmlformats.org/officeDocument/2006/relationships" xmlns:p="http://schemas.openxmlformats.org/presentationml/2006/main">
   <p:cSld>
     <p:spTree>
@@ -11403,7 +11591,7 @@
 </p:sld>
 </file>
 
-<file path=ppt/slides/slide22.xml><?xml version="1.0" encoding="utf-8"?>
+<file path=ppt/slides/slide23.xml><?xml version="1.0" encoding="utf-8"?>
 <p:sld xmlns:a="http://schemas.openxmlformats.org/drawingml/2006/main" xmlns:r="http://schemas.openxmlformats.org/officeDocument/2006/relationships" xmlns:p="http://schemas.openxmlformats.org/presentationml/2006/main">
   <p:cSld>
     <p:spTree>
@@ -11486,7 +11674,7 @@
 </p:sld>
 </file>
 
-<file path=ppt/slides/slide23.xml><?xml version="1.0" encoding="utf-8"?>
+<file path=ppt/slides/slide24.xml><?xml version="1.0" encoding="utf-8"?>
 <p:sld xmlns:a="http://schemas.openxmlformats.org/drawingml/2006/main" xmlns:r="http://schemas.openxmlformats.org/officeDocument/2006/relationships" xmlns:p="http://schemas.openxmlformats.org/presentationml/2006/main">
   <p:cSld>
     <p:spTree>
@@ -11653,7 +11841,7 @@
 </p:sld>
 </file>
 
-<file path=ppt/slides/slide24.xml><?xml version="1.0" encoding="utf-8"?>
+<file path=ppt/slides/slide25.xml><?xml version="1.0" encoding="utf-8"?>
 <p:sld xmlns:a="http://schemas.openxmlformats.org/drawingml/2006/main" xmlns:r="http://schemas.openxmlformats.org/officeDocument/2006/relationships" xmlns:p="http://schemas.openxmlformats.org/presentationml/2006/main">
   <p:cSld>
     <p:spTree>
@@ -11819,7 +12007,7 @@
 </p:sld>
 </file>
 
-<file path=ppt/slides/slide25.xml><?xml version="1.0" encoding="utf-8"?>
+<file path=ppt/slides/slide26.xml><?xml version="1.0" encoding="utf-8"?>
 <p:sld xmlns:a="http://schemas.openxmlformats.org/drawingml/2006/main" xmlns:r="http://schemas.openxmlformats.org/officeDocument/2006/relationships" xmlns:p="http://schemas.openxmlformats.org/presentationml/2006/main">
   <p:cSld>
     <p:spTree>
@@ -11895,253 +12083,6 @@
     <p:extLst>
       <p:ext uri="{BB962C8B-B14F-4D97-AF65-F5344CB8AC3E}">
         <p14:creationId xmlns:p14="http://schemas.microsoft.com/office/powerpoint/2010/main" val="3024832658"/>
-      </p:ext>
-    </p:extLst>
-  </p:cSld>
-  <p:clrMapOvr>
-    <a:masterClrMapping/>
-  </p:clrMapOvr>
-  <p:timing>
-    <p:tnLst>
-      <p:par>
-        <p:cTn id="1" dur="indefinite" restart="never" nodeType="tmRoot"/>
-      </p:par>
-    </p:tnLst>
-  </p:timing>
-</p:sld>
-</file>
-
-<file path=ppt/slides/slide26.xml><?xml version="1.0" encoding="utf-8"?>
-<p:sld xmlns:a="http://schemas.openxmlformats.org/drawingml/2006/main" xmlns:r="http://schemas.openxmlformats.org/officeDocument/2006/relationships" xmlns:p="http://schemas.openxmlformats.org/presentationml/2006/main">
-  <p:cSld>
-    <p:spTree>
-      <p:nvGrpSpPr>
-        <p:cNvPr id="1" name=""/>
-        <p:cNvGrpSpPr/>
-        <p:nvPr/>
-      </p:nvGrpSpPr>
-      <p:grpSpPr>
-        <a:xfrm>
-          <a:off x="0" y="0"/>
-          <a:ext cx="0" cy="0"/>
-          <a:chOff x="0" y="0"/>
-          <a:chExt cx="0" cy="0"/>
-        </a:xfrm>
-      </p:grpSpPr>
-      <p:sp>
-        <p:nvSpPr>
-          <p:cNvPr id="2" name="Titel 1"/>
-          <p:cNvSpPr>
-            <a:spLocks noGrp="1"/>
-          </p:cNvSpPr>
-          <p:nvPr>
-            <p:ph type="ctrTitle"/>
-          </p:nvPr>
-        </p:nvSpPr>
-        <p:spPr/>
-        <p:txBody>
-          <a:bodyPr/>
-          <a:lstStyle/>
-          <a:p>
-            <a:r>
-              <a:rPr lang="de-CH" dirty="0" err="1"/>
-              <a:t>Prototyping</a:t>
-            </a:r>
-            <a:r>
-              <a:rPr lang="de-CH" dirty="0"/>
-              <a:t> im CAVE</a:t>
-            </a:r>
-          </a:p>
-        </p:txBody>
-      </p:sp>
-      <p:sp>
-        <p:nvSpPr>
-          <p:cNvPr id="3" name="Textplatzhalter 2"/>
-          <p:cNvSpPr>
-            <a:spLocks noGrp="1"/>
-          </p:cNvSpPr>
-          <p:nvPr>
-            <p:ph type="body" idx="1"/>
-          </p:nvPr>
-        </p:nvSpPr>
-        <p:spPr/>
-        <p:txBody>
-          <a:bodyPr/>
-          <a:lstStyle/>
-          <a:p>
-            <a:r>
-              <a:rPr lang="de-CH" dirty="0" smtClean="0"/>
-              <a:t>Mehrere Instanzen</a:t>
-            </a:r>
-            <a:endParaRPr lang="de-CH" dirty="0"/>
-          </a:p>
-        </p:txBody>
-      </p:sp>
-      <p:sp>
-        <p:nvSpPr>
-          <p:cNvPr id="4" name="Inhaltsplatzhalter 3"/>
-          <p:cNvSpPr>
-            <a:spLocks noGrp="1"/>
-          </p:cNvSpPr>
-          <p:nvPr>
-            <p:ph sz="half" idx="13"/>
-          </p:nvPr>
-        </p:nvSpPr>
-        <p:spPr/>
-        <p:txBody>
-          <a:bodyPr/>
-          <a:lstStyle/>
-          <a:p>
-            <a:r>
-              <a:rPr lang="de-CH" dirty="0" smtClean="0"/>
-              <a:t>Hauptproblem Synchronisierung</a:t>
-            </a:r>
-          </a:p>
-          <a:p>
-            <a:r>
-              <a:rPr lang="de-CH" dirty="0" err="1" smtClean="0"/>
-              <a:t>MiddleVR</a:t>
-            </a:r>
-            <a:r>
-              <a:rPr lang="de-CH" dirty="0" smtClean="0"/>
-              <a:t> gleicht nur Position ab</a:t>
-            </a:r>
-          </a:p>
-          <a:p>
-            <a:r>
-              <a:rPr lang="de-CH" dirty="0" smtClean="0"/>
-              <a:t>Inkonsistente Bildrate</a:t>
-            </a:r>
-          </a:p>
-          <a:p>
-            <a:r>
-              <a:rPr lang="de-CH" dirty="0" smtClean="0"/>
-              <a:t>Kameraabgleich wird durch Custom-Scripts gestört</a:t>
-            </a:r>
-          </a:p>
-          <a:p>
-            <a:endParaRPr lang="de-CH" dirty="0"/>
-          </a:p>
-          <a:p>
-            <a:endParaRPr lang="de-CH" dirty="0" smtClean="0"/>
-          </a:p>
-          <a:p>
-            <a:endParaRPr lang="de-CH" dirty="0"/>
-          </a:p>
-          <a:p>
-            <a:endParaRPr lang="de-CH" dirty="0" smtClean="0"/>
-          </a:p>
-          <a:p>
-            <a:pPr marL="0" indent="0">
-              <a:buNone/>
-            </a:pPr>
-            <a:endParaRPr lang="de-CH" dirty="0" smtClean="0"/>
-          </a:p>
-          <a:p>
-            <a:r>
-              <a:rPr lang="de-CH" dirty="0"/>
-              <a:t>Jede Applikation erfordert Adaptionen</a:t>
-            </a:r>
-          </a:p>
-          <a:p>
-            <a:pPr marL="0" indent="0">
-              <a:buNone/>
-            </a:pPr>
-            <a:endParaRPr lang="de-CH" dirty="0" smtClean="0"/>
-          </a:p>
-          <a:p>
-            <a:endParaRPr lang="de-CH" dirty="0"/>
-          </a:p>
-        </p:txBody>
-      </p:sp>
-      <p:sp>
-        <p:nvSpPr>
-          <p:cNvPr id="5" name="Textplatzhalter 4"/>
-          <p:cNvSpPr>
-            <a:spLocks noGrp="1"/>
-          </p:cNvSpPr>
-          <p:nvPr>
-            <p:ph type="body" idx="14"/>
-          </p:nvPr>
-        </p:nvSpPr>
-        <p:spPr/>
-        <p:txBody>
-          <a:bodyPr/>
-          <a:lstStyle/>
-          <a:p>
-            <a:r>
-              <a:rPr lang="de-CH" dirty="0" smtClean="0"/>
-              <a:t>Eine Instanz</a:t>
-            </a:r>
-            <a:endParaRPr lang="de-CH" dirty="0"/>
-          </a:p>
-        </p:txBody>
-      </p:sp>
-      <p:sp>
-        <p:nvSpPr>
-          <p:cNvPr id="6" name="Inhaltsplatzhalter 5"/>
-          <p:cNvSpPr>
-            <a:spLocks noGrp="1"/>
-          </p:cNvSpPr>
-          <p:nvPr>
-            <p:ph sz="half" idx="15"/>
-          </p:nvPr>
-        </p:nvSpPr>
-        <p:spPr/>
-        <p:txBody>
-          <a:bodyPr/>
-          <a:lstStyle/>
-          <a:p>
-            <a:r>
-              <a:rPr lang="de-CH" dirty="0" smtClean="0"/>
-              <a:t>Hohe, konstante Bildrate</a:t>
-            </a:r>
-          </a:p>
-          <a:p>
-            <a:r>
-              <a:rPr lang="de-CH" dirty="0" smtClean="0"/>
-              <a:t>Keine Synchronisierungsprobleme</a:t>
-            </a:r>
-          </a:p>
-          <a:p>
-            <a:endParaRPr lang="de-CH" dirty="0"/>
-          </a:p>
-          <a:p>
-            <a:endParaRPr lang="de-CH" dirty="0" smtClean="0"/>
-          </a:p>
-          <a:p>
-            <a:endParaRPr lang="de-CH" dirty="0"/>
-          </a:p>
-          <a:p>
-            <a:endParaRPr lang="de-CH" dirty="0" smtClean="0"/>
-          </a:p>
-          <a:p>
-            <a:endParaRPr lang="de-CH" dirty="0"/>
-          </a:p>
-          <a:p>
-            <a:endParaRPr lang="de-CH" dirty="0" smtClean="0"/>
-          </a:p>
-          <a:p>
-            <a:endParaRPr lang="de-CH" dirty="0"/>
-          </a:p>
-          <a:p>
-            <a:endParaRPr lang="de-CH" dirty="0" smtClean="0"/>
-          </a:p>
-          <a:p>
-            <a:r>
-              <a:rPr lang="de-CH" dirty="0" smtClean="0"/>
-              <a:t>Sehr stabiles System</a:t>
-            </a:r>
-          </a:p>
-          <a:p>
-            <a:endParaRPr lang="de-CH" dirty="0"/>
-          </a:p>
-        </p:txBody>
-      </p:sp>
-    </p:spTree>
-    <p:extLst>
-      <p:ext uri="{BB962C8B-B14F-4D97-AF65-F5344CB8AC3E}">
-        <p14:creationId xmlns:p14="http://schemas.microsoft.com/office/powerpoint/2010/main" val="2102827225"/>
       </p:ext>
     </p:extLst>
   </p:cSld>
@@ -12218,7 +12159,7 @@
           <a:p>
             <a:r>
               <a:rPr lang="de-CH" dirty="0" smtClean="0"/>
-              <a:t>Finaler Entscheid</a:t>
+              <a:t>Mehrere Instanzen</a:t>
             </a:r>
             <a:endParaRPr lang="de-CH" dirty="0"/>
           </a:p>
@@ -12240,65 +12181,155 @@
           <a:lstStyle/>
           <a:p>
             <a:r>
+              <a:rPr lang="de-CH" dirty="0" smtClean="0"/>
+              <a:t>Hauptproblem Synchronisierung</a:t>
+            </a:r>
+          </a:p>
+          <a:p>
+            <a:r>
               <a:rPr lang="de-CH" dirty="0" err="1" smtClean="0"/>
               <a:t>MiddleVR</a:t>
             </a:r>
             <a:r>
               <a:rPr lang="de-CH" dirty="0" smtClean="0"/>
-              <a:t> mit mehreren Instanzen erfordert jedes Mal Adaptionen</a:t>
-            </a:r>
-          </a:p>
-          <a:p>
-            <a:r>
-              <a:rPr lang="de-CH" dirty="0" err="1" smtClean="0"/>
-              <a:t>Mosaic</a:t>
-            </a:r>
+              <a:t> gleicht nur Position ab</a:t>
+            </a:r>
+          </a:p>
+          <a:p>
             <a:r>
               <a:rPr lang="de-CH" dirty="0" smtClean="0"/>
-              <a:t> stabile Performance</a:t>
+              <a:t>Inkonsistente Bildrate</a:t>
             </a:r>
           </a:p>
           <a:p>
             <a:r>
               <a:rPr lang="de-CH" dirty="0" smtClean="0"/>
-              <a:t>Aufgaben </a:t>
-            </a:r>
-            <a:r>
-              <a:rPr lang="de-CH" dirty="0" err="1" smtClean="0"/>
-              <a:t>MiddleVR</a:t>
-            </a:r>
+              <a:t>Kameraabgleich wird durch Custom-Scripts gestört</a:t>
+            </a:r>
+          </a:p>
+          <a:p>
+            <a:endParaRPr lang="de-CH" dirty="0"/>
+          </a:p>
+          <a:p>
+            <a:endParaRPr lang="de-CH" dirty="0" smtClean="0"/>
+          </a:p>
+          <a:p>
+            <a:endParaRPr lang="de-CH" dirty="0"/>
+          </a:p>
+          <a:p>
+            <a:endParaRPr lang="de-CH" dirty="0" smtClean="0"/>
+          </a:p>
+          <a:p>
+            <a:pPr marL="0" indent="0">
+              <a:buNone/>
+            </a:pPr>
+            <a:endParaRPr lang="de-CH" dirty="0" smtClean="0"/>
+          </a:p>
+          <a:p>
+            <a:r>
+              <a:rPr lang="de-CH" dirty="0"/>
+              <a:t>Jede Applikation erfordert Adaptionen</a:t>
+            </a:r>
+          </a:p>
+          <a:p>
+            <a:pPr marL="0" indent="0">
+              <a:buNone/>
+            </a:pPr>
+            <a:endParaRPr lang="de-CH" dirty="0" smtClean="0"/>
+          </a:p>
+          <a:p>
+            <a:endParaRPr lang="de-CH" dirty="0"/>
+          </a:p>
+        </p:txBody>
+      </p:sp>
+      <p:sp>
+        <p:nvSpPr>
+          <p:cNvPr id="5" name="Textplatzhalter 4"/>
+          <p:cNvSpPr>
+            <a:spLocks noGrp="1"/>
+          </p:cNvSpPr>
+          <p:nvPr>
+            <p:ph type="body" idx="14"/>
+          </p:nvPr>
+        </p:nvSpPr>
+        <p:spPr/>
+        <p:txBody>
+          <a:bodyPr/>
+          <a:lstStyle/>
+          <a:p>
             <a:r>
               <a:rPr lang="de-CH" dirty="0" smtClean="0"/>
-              <a:t> nur marginal</a:t>
-            </a:r>
-          </a:p>
+              <a:t>Eine Instanz</a:t>
+            </a:r>
+            <a:endParaRPr lang="de-CH" dirty="0"/>
+          </a:p>
+        </p:txBody>
+      </p:sp>
+      <p:sp>
+        <p:nvSpPr>
+          <p:cNvPr id="6" name="Inhaltsplatzhalter 5"/>
+          <p:cNvSpPr>
+            <a:spLocks noGrp="1"/>
+          </p:cNvSpPr>
+          <p:nvPr>
+            <p:ph sz="half" idx="15"/>
+          </p:nvPr>
+        </p:nvSpPr>
+        <p:spPr/>
+        <p:txBody>
+          <a:bodyPr/>
+          <a:lstStyle/>
           <a:p>
             <a:r>
               <a:rPr lang="de-CH" dirty="0" smtClean="0"/>
-              <a:t>Umsetzung primitiver Prototyp «eigene Lösung»</a:t>
-            </a:r>
+              <a:t>Hohe, konstante Bildrate</a:t>
+            </a:r>
+          </a:p>
+          <a:p>
+            <a:r>
+              <a:rPr lang="de-CH" dirty="0" smtClean="0"/>
+              <a:t>Keine Synchronisierungsprobleme</a:t>
+            </a:r>
+          </a:p>
+          <a:p>
             <a:endParaRPr lang="de-CH" dirty="0"/>
           </a:p>
           <a:p>
             <a:endParaRPr lang="de-CH" dirty="0" smtClean="0"/>
           </a:p>
           <a:p>
-            <a:r>
-              <a:rPr lang="de-CH" b="1" dirty="0" smtClean="0"/>
-              <a:t>Eigene Lösung basierend auf </a:t>
-            </a:r>
-            <a:r>
-              <a:rPr lang="de-CH" b="1" dirty="0" err="1" smtClean="0"/>
-              <a:t>Mosaic</a:t>
-            </a:r>
-            <a:endParaRPr lang="de-CH" b="1" dirty="0"/>
+            <a:endParaRPr lang="de-CH" dirty="0"/>
+          </a:p>
+          <a:p>
+            <a:endParaRPr lang="de-CH" dirty="0" smtClean="0"/>
+          </a:p>
+          <a:p>
+            <a:endParaRPr lang="de-CH" dirty="0"/>
+          </a:p>
+          <a:p>
+            <a:endParaRPr lang="de-CH" dirty="0" smtClean="0"/>
+          </a:p>
+          <a:p>
+            <a:endParaRPr lang="de-CH" dirty="0"/>
+          </a:p>
+          <a:p>
+            <a:endParaRPr lang="de-CH" dirty="0" smtClean="0"/>
+          </a:p>
+          <a:p>
+            <a:r>
+              <a:rPr lang="de-CH" dirty="0" smtClean="0"/>
+              <a:t>Sehr stabiles System</a:t>
+            </a:r>
+          </a:p>
+          <a:p>
+            <a:endParaRPr lang="de-CH" dirty="0"/>
           </a:p>
         </p:txBody>
       </p:sp>
     </p:spTree>
     <p:extLst>
       <p:ext uri="{BB962C8B-B14F-4D97-AF65-F5344CB8AC3E}">
-        <p14:creationId xmlns:p14="http://schemas.microsoft.com/office/powerpoint/2010/main" val="31412311"/>
+        <p14:creationId xmlns:p14="http://schemas.microsoft.com/office/powerpoint/2010/main" val="2102827225"/>
       </p:ext>
     </p:extLst>
   </p:cSld>
@@ -12348,8 +12379,34 @@
           <a:lstStyle/>
           <a:p>
             <a:r>
+              <a:rPr lang="de-CH" dirty="0" err="1"/>
+              <a:t>Prototyping</a:t>
+            </a:r>
+            <a:r>
+              <a:rPr lang="de-CH" dirty="0"/>
+              <a:t> im CAVE</a:t>
+            </a:r>
+          </a:p>
+        </p:txBody>
+      </p:sp>
+      <p:sp>
+        <p:nvSpPr>
+          <p:cNvPr id="3" name="Textplatzhalter 2"/>
+          <p:cNvSpPr>
+            <a:spLocks noGrp="1"/>
+          </p:cNvSpPr>
+          <p:nvPr>
+            <p:ph type="body" idx="1"/>
+          </p:nvPr>
+        </p:nvSpPr>
+        <p:spPr/>
+        <p:txBody>
+          <a:bodyPr/>
+          <a:lstStyle/>
+          <a:p>
+            <a:r>
               <a:rPr lang="de-CH" dirty="0" smtClean="0"/>
-              <a:t>Nächste Schritte</a:t>
+              <a:t>Finaler Entscheid</a:t>
             </a:r>
             <a:endParaRPr lang="de-CH" dirty="0"/>
           </a:p>
@@ -12365,105 +12422,71 @@
             <p:ph sz="half" idx="13"/>
           </p:nvPr>
         </p:nvSpPr>
-        <p:spPr>
-          <a:xfrm>
-            <a:off x="468000" y="1076770"/>
-            <a:ext cx="8100000" cy="5043230"/>
-          </a:xfrm>
-        </p:spPr>
+        <p:spPr/>
         <p:txBody>
           <a:bodyPr/>
           <a:lstStyle/>
           <a:p>
             <a:r>
+              <a:rPr lang="de-CH" dirty="0" err="1" smtClean="0"/>
+              <a:t>MiddleVR</a:t>
+            </a:r>
+            <a:r>
               <a:rPr lang="de-CH" dirty="0" smtClean="0"/>
-              <a:t>Hardware Reparaturen CAVE</a:t>
-            </a:r>
-          </a:p>
-          <a:p>
-            <a:endParaRPr lang="de-CH" dirty="0"/>
-          </a:p>
-          <a:p>
-            <a:r>
-              <a:rPr lang="de-CH" dirty="0" smtClean="0"/>
-              <a:t>Hardware Beschaffung für </a:t>
-            </a:r>
+              <a:t> mit mehreren Instanzen erfordert jedes Mal Adaptionen</a:t>
+            </a:r>
+          </a:p>
+          <a:p>
             <a:r>
               <a:rPr lang="de-CH" dirty="0" err="1" smtClean="0"/>
               <a:t>Mosaic</a:t>
             </a:r>
             <a:r>
               <a:rPr lang="de-CH" dirty="0" smtClean="0"/>
-              <a:t> (</a:t>
+              <a:t> stabile Performance</a:t>
+            </a:r>
+          </a:p>
+          <a:p>
+            <a:r>
+              <a:rPr lang="de-CH" dirty="0" smtClean="0"/>
+              <a:t>Aufgaben </a:t>
             </a:r>
             <a:r>
               <a:rPr lang="de-CH" dirty="0" err="1" smtClean="0"/>
-              <a:t>Quadros</a:t>
+              <a:t>MiddleVR</a:t>
             </a:r>
             <a:r>
               <a:rPr lang="de-CH" dirty="0" smtClean="0"/>
-              <a:t>)</a:t>
-            </a:r>
-          </a:p>
-          <a:p>
+              <a:t> nur marginal</a:t>
+            </a:r>
+          </a:p>
+          <a:p>
+            <a:r>
+              <a:rPr lang="de-CH" dirty="0" smtClean="0"/>
+              <a:t>Umsetzung primitiver Prototyp «eigene Lösung»</a:t>
+            </a:r>
             <a:endParaRPr lang="de-CH" dirty="0"/>
           </a:p>
           <a:p>
             <a:endParaRPr lang="de-CH" dirty="0" smtClean="0"/>
           </a:p>
           <a:p>
-            <a:endParaRPr lang="de-CH" dirty="0"/>
-          </a:p>
-          <a:p>
-            <a:pPr marL="0" indent="0" algn="ctr">
-              <a:buNone/>
-            </a:pPr>
-            <a:r>
-              <a:rPr lang="de-CH" dirty="0" smtClean="0">
-                <a:sym typeface="Wingdings" panose="05000000000000000000" pitchFamily="2" charset="2"/>
-              </a:rPr>
-              <a:t>	</a:t>
-            </a:r>
-          </a:p>
-          <a:p>
-            <a:pPr marL="0" indent="0" algn="ctr">
-              <a:buNone/>
-            </a:pPr>
-            <a:endParaRPr lang="de-CH" dirty="0">
-              <a:sym typeface="Wingdings" panose="05000000000000000000" pitchFamily="2" charset="2"/>
-            </a:endParaRPr>
-          </a:p>
-          <a:p>
-            <a:pPr marL="0" indent="0" algn="ctr">
-              <a:buNone/>
-            </a:pPr>
-            <a:r>
-              <a:rPr lang="de-CH" sz="2400" dirty="0" smtClean="0">
-                <a:sym typeface="Wingdings" panose="05000000000000000000" pitchFamily="2" charset="2"/>
-              </a:rPr>
-              <a:t>Bachelor Thesis 2015/2016</a:t>
-            </a:r>
-          </a:p>
-          <a:p>
-            <a:endParaRPr lang="de-CH" dirty="0">
-              <a:sym typeface="Wingdings" panose="05000000000000000000" pitchFamily="2" charset="2"/>
-            </a:endParaRPr>
-          </a:p>
-          <a:p>
-            <a:endParaRPr lang="de-CH" dirty="0" smtClean="0"/>
-          </a:p>
-          <a:p>
-            <a:endParaRPr lang="de-CH" dirty="0"/>
-          </a:p>
-          <a:p>
-            <a:endParaRPr lang="de-CH" dirty="0"/>
+            <a:r>
+              <a:rPr lang="de-CH" b="1" dirty="0" smtClean="0"/>
+              <a:t>Eigene Lösung basierend auf </a:t>
+            </a:r>
+            <a:r>
+              <a:rPr lang="de-CH" b="1" dirty="0" err="1" smtClean="0"/>
+              <a:t>Mosaic</a:t>
+            </a:r>
+            <a:endParaRPr lang="de-CH" b="1" dirty="0"/>
           </a:p>
         </p:txBody>
       </p:sp>
     </p:spTree>
     <p:extLst>
       <p:ext uri="{BB962C8B-B14F-4D97-AF65-F5344CB8AC3E}">
-        <p14:creationId xmlns:p14="http://schemas.microsoft.com/office/powerpoint/2010/main" val="1386324641"/>
+        <p14:creationId xmlns:p14="http://schemas.microsoft.com/office/powerpoint/2010/main" val="31412311"/>
       </p:ext>
     </p:extLst>
   </p:cSld>
@@ -12514,7 +12537,7 @@
           <a:p>
             <a:r>
               <a:rPr lang="de-CH" dirty="0" smtClean="0"/>
-              <a:t>Fragen</a:t>
+              <a:t>Nächste Schritte</a:t>
             </a:r>
             <a:endParaRPr lang="de-CH" dirty="0"/>
           </a:p>
@@ -12522,70 +12545,113 @@
       </p:sp>
       <p:sp>
         <p:nvSpPr>
-          <p:cNvPr id="3" name="Textplatzhalter 2"/>
+          <p:cNvPr id="4" name="Inhaltsplatzhalter 3"/>
           <p:cNvSpPr>
             <a:spLocks noGrp="1"/>
           </p:cNvSpPr>
           <p:nvPr>
-            <p:ph type="body" idx="1"/>
-          </p:nvPr>
-        </p:nvSpPr>
-        <p:spPr/>
+            <p:ph sz="half" idx="13"/>
+          </p:nvPr>
+        </p:nvSpPr>
+        <p:spPr>
+          <a:xfrm>
+            <a:off x="468000" y="1076770"/>
+            <a:ext cx="8100000" cy="5043230"/>
+          </a:xfrm>
+        </p:spPr>
         <p:txBody>
           <a:bodyPr/>
           <a:lstStyle/>
           <a:p>
-            <a:endParaRPr lang="de-CH"/>
-          </a:p>
-        </p:txBody>
-      </p:sp>
-      <p:pic>
-        <p:nvPicPr>
-          <p:cNvPr id="7172" name="Picture 4" descr="http://www.fotoalbumshop.de/blog/wp-content/uploads/spezifische_fragen.jpg"/>
-          <p:cNvPicPr>
-            <a:picLocks noGrp="1" noChangeAspect="1" noChangeArrowheads="1"/>
-          </p:cNvPicPr>
-          <p:nvPr>
-            <p:ph sz="half" idx="13"/>
-          </p:nvPr>
-        </p:nvPicPr>
-        <p:blipFill>
-          <a:blip r:embed="rId2">
-            <a:extLst>
-              <a:ext uri="{28A0092B-C50C-407E-A947-70E740481C1C}">
-                <a14:useLocalDpi xmlns:a14="http://schemas.microsoft.com/office/drawing/2010/main" val="0"/>
-              </a:ext>
-            </a:extLst>
-          </a:blip>
-          <a:srcRect/>
-          <a:stretch>
-            <a:fillRect/>
-          </a:stretch>
-        </p:blipFill>
-        <p:spPr bwMode="auto">
-          <a:xfrm>
-            <a:off x="962025" y="2495550"/>
-            <a:ext cx="7112000" cy="3289300"/>
-          </a:xfrm>
-          <a:prstGeom prst="rect">
-            <a:avLst/>
-          </a:prstGeom>
-          <a:noFill/>
-          <a:extLst>
-            <a:ext uri="{909E8E84-426E-40DD-AFC4-6F175D3DCCD1}">
-              <a14:hiddenFill xmlns:a14="http://schemas.microsoft.com/office/drawing/2010/main">
-                <a:solidFill>
-                  <a:srgbClr val="FFFFFF"/>
-                </a:solidFill>
-              </a14:hiddenFill>
-            </a:ext>
-          </a:extLst>
-        </p:spPr>
-      </p:pic>
+            <a:r>
+              <a:rPr lang="de-CH" dirty="0" smtClean="0"/>
+              <a:t>Hardware Reparaturen CAVE</a:t>
+            </a:r>
+          </a:p>
+          <a:p>
+            <a:endParaRPr lang="de-CH" dirty="0"/>
+          </a:p>
+          <a:p>
+            <a:r>
+              <a:rPr lang="de-CH" dirty="0" smtClean="0"/>
+              <a:t>Hardware Beschaffung für </a:t>
+            </a:r>
+            <a:r>
+              <a:rPr lang="de-CH" dirty="0" err="1" smtClean="0"/>
+              <a:t>Mosaic</a:t>
+            </a:r>
+            <a:r>
+              <a:rPr lang="de-CH" dirty="0" smtClean="0"/>
+              <a:t> (</a:t>
+            </a:r>
+            <a:r>
+              <a:rPr lang="de-CH" dirty="0" err="1" smtClean="0"/>
+              <a:t>Quadros</a:t>
+            </a:r>
+            <a:r>
+              <a:rPr lang="de-CH" dirty="0" smtClean="0"/>
+              <a:t>)</a:t>
+            </a:r>
+          </a:p>
+          <a:p>
+            <a:endParaRPr lang="de-CH" dirty="0"/>
+          </a:p>
+          <a:p>
+            <a:endParaRPr lang="de-CH" dirty="0" smtClean="0"/>
+          </a:p>
+          <a:p>
+            <a:endParaRPr lang="de-CH" dirty="0"/>
+          </a:p>
+          <a:p>
+            <a:pPr marL="0" indent="0" algn="ctr">
+              <a:buNone/>
+            </a:pPr>
+            <a:r>
+              <a:rPr lang="de-CH" dirty="0" smtClean="0">
+                <a:sym typeface="Wingdings" panose="05000000000000000000" pitchFamily="2" charset="2"/>
+              </a:rPr>
+              <a:t>	</a:t>
+            </a:r>
+          </a:p>
+          <a:p>
+            <a:pPr marL="0" indent="0" algn="ctr">
+              <a:buNone/>
+            </a:pPr>
+            <a:endParaRPr lang="de-CH" dirty="0">
+              <a:sym typeface="Wingdings" panose="05000000000000000000" pitchFamily="2" charset="2"/>
+            </a:endParaRPr>
+          </a:p>
+          <a:p>
+            <a:pPr marL="0" indent="0" algn="ctr">
+              <a:buNone/>
+            </a:pPr>
+            <a:r>
+              <a:rPr lang="de-CH" sz="2400" dirty="0" smtClean="0">
+                <a:sym typeface="Wingdings" panose="05000000000000000000" pitchFamily="2" charset="2"/>
+              </a:rPr>
+              <a:t>Bachelor Thesis 2015/2016</a:t>
+            </a:r>
+          </a:p>
+          <a:p>
+            <a:endParaRPr lang="de-CH" dirty="0">
+              <a:sym typeface="Wingdings" panose="05000000000000000000" pitchFamily="2" charset="2"/>
+            </a:endParaRPr>
+          </a:p>
+          <a:p>
+            <a:endParaRPr lang="de-CH" dirty="0" smtClean="0"/>
+          </a:p>
+          <a:p>
+            <a:endParaRPr lang="de-CH" dirty="0"/>
+          </a:p>
+          <a:p>
+            <a:endParaRPr lang="de-CH" dirty="0"/>
+          </a:p>
+        </p:txBody>
+      </p:sp>
     </p:spTree>
     <p:extLst>
       <p:ext uri="{BB962C8B-B14F-4D97-AF65-F5344CB8AC3E}">
-        <p14:creationId xmlns:p14="http://schemas.microsoft.com/office/powerpoint/2010/main" val="2158132637"/>
+        <p14:creationId xmlns:p14="http://schemas.microsoft.com/office/powerpoint/2010/main" val="1386324641"/>
       </p:ext>
     </p:extLst>
   </p:cSld>
@@ -12662,6 +12728,128 @@
 </p:sld>
 </file>
 
+<file path=ppt/slides/slide30.xml><?xml version="1.0" encoding="utf-8"?>
+<p:sld xmlns:a="http://schemas.openxmlformats.org/drawingml/2006/main" xmlns:r="http://schemas.openxmlformats.org/officeDocument/2006/relationships" xmlns:p="http://schemas.openxmlformats.org/presentationml/2006/main">
+  <p:cSld>
+    <p:spTree>
+      <p:nvGrpSpPr>
+        <p:cNvPr id="1" name=""/>
+        <p:cNvGrpSpPr/>
+        <p:nvPr/>
+      </p:nvGrpSpPr>
+      <p:grpSpPr>
+        <a:xfrm>
+          <a:off x="0" y="0"/>
+          <a:ext cx="0" cy="0"/>
+          <a:chOff x="0" y="0"/>
+          <a:chExt cx="0" cy="0"/>
+        </a:xfrm>
+      </p:grpSpPr>
+      <p:sp>
+        <p:nvSpPr>
+          <p:cNvPr id="2" name="Titel 1"/>
+          <p:cNvSpPr>
+            <a:spLocks noGrp="1"/>
+          </p:cNvSpPr>
+          <p:nvPr>
+            <p:ph type="ctrTitle"/>
+          </p:nvPr>
+        </p:nvSpPr>
+        <p:spPr/>
+        <p:txBody>
+          <a:bodyPr/>
+          <a:lstStyle/>
+          <a:p>
+            <a:r>
+              <a:rPr lang="de-CH" dirty="0" smtClean="0"/>
+              <a:t>Fragen</a:t>
+            </a:r>
+            <a:endParaRPr lang="de-CH" dirty="0"/>
+          </a:p>
+        </p:txBody>
+      </p:sp>
+      <p:sp>
+        <p:nvSpPr>
+          <p:cNvPr id="3" name="Textplatzhalter 2"/>
+          <p:cNvSpPr>
+            <a:spLocks noGrp="1"/>
+          </p:cNvSpPr>
+          <p:nvPr>
+            <p:ph type="body" idx="1"/>
+          </p:nvPr>
+        </p:nvSpPr>
+        <p:spPr/>
+        <p:txBody>
+          <a:bodyPr/>
+          <a:lstStyle/>
+          <a:p>
+            <a:endParaRPr lang="de-CH"/>
+          </a:p>
+        </p:txBody>
+      </p:sp>
+      <p:pic>
+        <p:nvPicPr>
+          <p:cNvPr id="7172" name="Picture 4" descr="http://www.fotoalbumshop.de/blog/wp-content/uploads/spezifische_fragen.jpg"/>
+          <p:cNvPicPr>
+            <a:picLocks noGrp="1" noChangeAspect="1" noChangeArrowheads="1"/>
+          </p:cNvPicPr>
+          <p:nvPr>
+            <p:ph sz="half" idx="13"/>
+          </p:nvPr>
+        </p:nvPicPr>
+        <p:blipFill>
+          <a:blip r:embed="rId2">
+            <a:extLst>
+              <a:ext uri="{28A0092B-C50C-407E-A947-70E740481C1C}">
+                <a14:useLocalDpi xmlns:a14="http://schemas.microsoft.com/office/drawing/2010/main" val="0"/>
+              </a:ext>
+            </a:extLst>
+          </a:blip>
+          <a:srcRect/>
+          <a:stretch>
+            <a:fillRect/>
+          </a:stretch>
+        </p:blipFill>
+        <p:spPr bwMode="auto">
+          <a:xfrm>
+            <a:off x="962025" y="2495550"/>
+            <a:ext cx="7112000" cy="3289300"/>
+          </a:xfrm>
+          <a:prstGeom prst="rect">
+            <a:avLst/>
+          </a:prstGeom>
+          <a:noFill/>
+          <a:extLst>
+            <a:ext uri="{909E8E84-426E-40DD-AFC4-6F175D3DCCD1}">
+              <a14:hiddenFill xmlns:a14="http://schemas.microsoft.com/office/drawing/2010/main">
+                <a:solidFill>
+                  <a:srgbClr val="FFFFFF"/>
+                </a:solidFill>
+              </a14:hiddenFill>
+            </a:ext>
+          </a:extLst>
+        </p:spPr>
+      </p:pic>
+    </p:spTree>
+    <p:extLst>
+      <p:ext uri="{BB962C8B-B14F-4D97-AF65-F5344CB8AC3E}">
+        <p14:creationId xmlns:p14="http://schemas.microsoft.com/office/powerpoint/2010/main" val="2158132637"/>
+      </p:ext>
+    </p:extLst>
+  </p:cSld>
+  <p:clrMapOvr>
+    <a:masterClrMapping/>
+  </p:clrMapOvr>
+  <p:timing>
+    <p:tnLst>
+      <p:par>
+        <p:cTn id="1" dur="indefinite" restart="never" nodeType="tmRoot"/>
+      </p:par>
+    </p:tnLst>
+  </p:timing>
+</p:sld>
+</file>
+
 <file path=ppt/slides/slide4.xml><?xml version="1.0" encoding="utf-8"?>
 <p:sld xmlns:a="http://schemas.openxmlformats.org/drawingml/2006/main" xmlns:r="http://schemas.openxmlformats.org/officeDocument/2006/relationships" xmlns:p="http://schemas.openxmlformats.org/presentationml/2006/main">
   <p:cSld>
@@ -12696,11 +12884,7 @@
           <a:p>
             <a:r>
               <a:rPr lang="de-CH" dirty="0" smtClean="0"/>
-              <a:t>CAVE Installation der </a:t>
-            </a:r>
-            <a:r>
-              <a:rPr lang="de-CH" dirty="0" smtClean="0"/>
-              <a:t>BFH mit </a:t>
+              <a:t>CAVE Installation der BFH mit </a:t>
             </a:r>
             <a:r>
               <a:rPr lang="de-CH" dirty="0" err="1" smtClean="0"/>
@@ -12708,15 +12892,7 @@
             </a:r>
             <a:r>
               <a:rPr lang="de-CH" dirty="0" smtClean="0"/>
-              <a:t> </a:t>
-            </a:r>
-            <a:r>
-              <a:rPr lang="de-CH" dirty="0" smtClean="0"/>
-              <a:t>«updaten</a:t>
-            </a:r>
-            <a:r>
-              <a:rPr lang="de-CH" dirty="0" smtClean="0"/>
-              <a:t>»</a:t>
+              <a:t> «updaten»</a:t>
             </a:r>
           </a:p>
           <a:p>
@@ -12728,11 +12904,7 @@
           <a:p>
             <a:r>
               <a:rPr lang="de-CH" dirty="0" smtClean="0"/>
-              <a:t>Einarbeitung </a:t>
-            </a:r>
-            <a:r>
-              <a:rPr lang="de-CH" dirty="0" smtClean="0"/>
-              <a:t>in </a:t>
+              <a:t>Einarbeitung in </a:t>
             </a:r>
             <a:r>
               <a:rPr lang="de-CH" dirty="0" err="1" smtClean="0"/>
@@ -12799,6 +12971,30 @@
           </a:p>
         </p:txBody>
       </p:sp>
+      <p:pic>
+        <p:nvPicPr>
+          <p:cNvPr id="4" name="Grafik 3"/>
+          <p:cNvPicPr>
+            <a:picLocks noChangeAspect="1"/>
+          </p:cNvPicPr>
+          <p:nvPr/>
+        </p:nvPicPr>
+        <p:blipFill>
+          <a:blip r:embed="rId2"/>
+          <a:stretch>
+            <a:fillRect/>
+          </a:stretch>
+        </p:blipFill>
+        <p:spPr>
+          <a:xfrm>
+            <a:off x="4843824" y="3639329"/>
+            <a:ext cx="3724176" cy="2480670"/>
+          </a:xfrm>
+          <a:prstGeom prst="rect">
+            <a:avLst/>
+          </a:prstGeom>
+        </p:spPr>
+      </p:pic>
     </p:spTree>
     <p:extLst>
       <p:ext uri="{BB962C8B-B14F-4D97-AF65-F5344CB8AC3E}">
@@ -12904,13 +13100,8 @@
           <a:p>
             <a:r>
               <a:rPr lang="de-CH" dirty="0" smtClean="0"/>
-              <a:t>Lauffähige </a:t>
-            </a:r>
-            <a:r>
-              <a:rPr lang="de-CH" dirty="0" smtClean="0"/>
-              <a:t>Prototypen</a:t>
-            </a:r>
-            <a:endParaRPr lang="de-CH" dirty="0" smtClean="0"/>
+              <a:t>Lauffähige Prototypen</a:t>
+            </a:r>
           </a:p>
           <a:p>
             <a:endParaRPr lang="de-CH" dirty="0"/>
@@ -13042,11 +13233,7 @@
             </a:r>
             <a:r>
               <a:rPr lang="de-CH" dirty="0" smtClean="0"/>
-              <a:t> </a:t>
-            </a:r>
-            <a:r>
-              <a:rPr lang="de-CH" dirty="0" smtClean="0"/>
-              <a:t>Game-Engine</a:t>
+              <a:t> Game-Engine</a:t>
             </a:r>
           </a:p>
           <a:p>
@@ -13126,13 +13313,8 @@
           <a:p>
             <a:r>
               <a:rPr lang="de-CH" dirty="0" smtClean="0"/>
-              <a:t>C# statt C/C</a:t>
-            </a:r>
-            <a:r>
-              <a:rPr lang="de-CH" dirty="0" smtClean="0"/>
-              <a:t>++</a:t>
-            </a:r>
-            <a:endParaRPr lang="de-CH" dirty="0" smtClean="0"/>
+              <a:t>C# statt C/C++</a:t>
+            </a:r>
           </a:p>
           <a:p>
             <a:pPr lvl="1"/>
@@ -13243,12 +13425,12 @@
       </p:sp>
       <p:sp>
         <p:nvSpPr>
-          <p:cNvPr id="3" name="Textplatzhalter 2"/>
+          <p:cNvPr id="3" name="Untertitel 2"/>
           <p:cNvSpPr>
             <a:spLocks noGrp="1"/>
           </p:cNvSpPr>
           <p:nvPr>
-            <p:ph type="body" idx="1"/>
+            <p:ph type="subTitle" idx="1"/>
           </p:nvPr>
         </p:nvSpPr>
         <p:spPr/>
@@ -13256,91 +13438,14 @@
           <a:bodyPr/>
           <a:lstStyle/>
           <a:p>
-            <a:r>
-              <a:rPr lang="de-CH" dirty="0" smtClean="0"/>
-              <a:t>Varianten</a:t>
-            </a:r>
-            <a:endParaRPr lang="de-CH" dirty="0"/>
-          </a:p>
-        </p:txBody>
-      </p:sp>
-      <p:sp>
-        <p:nvSpPr>
-          <p:cNvPr id="4" name="Inhaltsplatzhalter 3"/>
-          <p:cNvSpPr>
-            <a:spLocks noGrp="1"/>
-          </p:cNvSpPr>
-          <p:nvPr>
-            <p:ph sz="half" idx="13"/>
-          </p:nvPr>
-        </p:nvSpPr>
-        <p:spPr/>
-        <p:txBody>
-          <a:bodyPr/>
-          <a:lstStyle/>
-          <a:p>
-            <a:r>
-              <a:rPr lang="de-CH" dirty="0" smtClean="0"/>
-              <a:t>Equalizer</a:t>
-            </a:r>
-          </a:p>
-          <a:p>
-            <a:pPr lvl="1"/>
-            <a:r>
-              <a:rPr lang="de-CH" dirty="0" smtClean="0"/>
-              <a:t>Implementiert </a:t>
-            </a:r>
-            <a:r>
-              <a:rPr lang="de-CH" dirty="0" smtClean="0"/>
-              <a:t>im CAVE</a:t>
-            </a:r>
-          </a:p>
-          <a:p>
-            <a:pPr lvl="1"/>
-            <a:r>
-              <a:rPr lang="de-CH" dirty="0" smtClean="0"/>
-              <a:t>Basiert auf </a:t>
-            </a:r>
-            <a:r>
-              <a:rPr lang="de-CH" dirty="0" smtClean="0"/>
-              <a:t>«Wrapper-Klassen</a:t>
-            </a:r>
-            <a:r>
-              <a:rPr lang="de-CH" dirty="0" smtClean="0"/>
-              <a:t>»</a:t>
-            </a:r>
-            <a:endParaRPr lang="de-CH" dirty="0" smtClean="0"/>
-          </a:p>
-          <a:p>
-            <a:pPr lvl="1"/>
-            <a:r>
-              <a:rPr lang="de-CH" dirty="0" err="1" smtClean="0"/>
-              <a:t>OpenSource</a:t>
-            </a:r>
-            <a:r>
-              <a:rPr lang="de-CH" dirty="0" smtClean="0"/>
-              <a:t> C++ </a:t>
-            </a:r>
-            <a:r>
-              <a:rPr lang="de-CH" dirty="0"/>
-              <a:t>I</a:t>
-            </a:r>
-            <a:r>
-              <a:rPr lang="de-CH" dirty="0" smtClean="0"/>
-              <a:t>mplementation</a:t>
-            </a:r>
-            <a:endParaRPr lang="de-CH" dirty="0" smtClean="0"/>
-          </a:p>
-          <a:p>
-            <a:pPr lvl="1"/>
-            <a:endParaRPr lang="de-CH" dirty="0" smtClean="0"/>
+            <a:endParaRPr lang="de-CH"/>
           </a:p>
         </p:txBody>
       </p:sp>
     </p:spTree>
     <p:extLst>
       <p:ext uri="{BB962C8B-B14F-4D97-AF65-F5344CB8AC3E}">
-        <p14:creationId xmlns:p14="http://schemas.microsoft.com/office/powerpoint/2010/main" val="2109134431"/>
+        <p14:creationId xmlns:p14="http://schemas.microsoft.com/office/powerpoint/2010/main" val="573924291"/>
       </p:ext>
     </p:extLst>
   </p:cSld>
@@ -13441,36 +13546,37 @@
             </a:r>
           </a:p>
           <a:p>
-            <a:endParaRPr lang="de-CH" dirty="0" smtClean="0"/>
-          </a:p>
-          <a:p>
+            <a:pPr lvl="1"/>
             <a:r>
               <a:rPr lang="de-CH" dirty="0" smtClean="0"/>
-              <a:t>Chromium</a:t>
+              <a:t>Implementiert im CAVE</a:t>
             </a:r>
           </a:p>
           <a:p>
             <a:pPr lvl="1"/>
             <a:r>
               <a:rPr lang="de-CH" dirty="0" smtClean="0"/>
-              <a:t>Verarbeitungskette der OpenGL </a:t>
-            </a:r>
+              <a:t>Basiert auf «Wrapper-Klassen»</a:t>
+            </a:r>
+          </a:p>
+          <a:p>
+            <a:pPr lvl="1"/>
             <a:r>
               <a:rPr lang="de-CH" dirty="0" err="1" smtClean="0"/>
-              <a:t>Commands</a:t>
-            </a:r>
-            <a:endParaRPr lang="de-CH" dirty="0" smtClean="0"/>
-          </a:p>
-          <a:p>
-            <a:pPr lvl="2"/>
+              <a:t>OpenSource</a:t>
+            </a:r>
             <a:r>
               <a:rPr lang="de-CH" dirty="0" smtClean="0"/>
-              <a:t>Modifizieren, Ablehnen, Weitersenden</a:t>
-            </a:r>
-          </a:p>
-          <a:p>
-            <a:pPr lvl="2"/>
-            <a:endParaRPr lang="de-CH" dirty="0" smtClean="0"/>
+              <a:t> C++ </a:t>
+            </a:r>
+            <a:r>
+              <a:rPr lang="de-CH" dirty="0"/>
+              <a:t>I</a:t>
+            </a:r>
+            <a:r>
+              <a:rPr lang="de-CH" dirty="0" smtClean="0"/>
+              <a:t>mplementation</a:t>
+            </a:r>
           </a:p>
           <a:p>
             <a:pPr lvl="1"/>
@@ -13481,7 +13587,7 @@
     </p:spTree>
     <p:extLst>
       <p:ext uri="{BB962C8B-B14F-4D97-AF65-F5344CB8AC3E}">
-        <p14:creationId xmlns:p14="http://schemas.microsoft.com/office/powerpoint/2010/main" val="689559979"/>
+        <p14:creationId xmlns:p14="http://schemas.microsoft.com/office/powerpoint/2010/main" val="2109134431"/>
       </p:ext>
     </p:extLst>
   </p:cSld>
@@ -13591,47 +13697,30 @@
             </a:r>
           </a:p>
           <a:p>
+            <a:pPr lvl="1"/>
+            <a:r>
+              <a:rPr lang="de-CH" dirty="0" smtClean="0"/>
+              <a:t>Verarbeitungskette der OpenGL </a:t>
+            </a:r>
+            <a:r>
+              <a:rPr lang="de-CH" dirty="0" err="1" smtClean="0"/>
+              <a:t>Commands</a:t>
+            </a:r>
             <a:endParaRPr lang="de-CH" dirty="0" smtClean="0"/>
           </a:p>
           <a:p>
+            <a:pPr lvl="2"/>
             <a:r>
               <a:rPr lang="de-CH" dirty="0" smtClean="0"/>
-              <a:t>Eigene Lösung</a:t>
-            </a:r>
+              <a:t>Modifizieren, Ablehnen, Weitersenden</a:t>
+            </a:r>
+          </a:p>
+          <a:p>
+            <a:pPr lvl="2"/>
+            <a:endParaRPr lang="de-CH" dirty="0" smtClean="0"/>
           </a:p>
           <a:p>
             <a:pPr lvl="1"/>
-            <a:r>
-              <a:rPr lang="de-CH" dirty="0" smtClean="0"/>
-              <a:t>Mehrere Instanzen</a:t>
-            </a:r>
-          </a:p>
-          <a:p>
-            <a:pPr lvl="2"/>
-            <a:r>
-              <a:rPr lang="de-CH" dirty="0" smtClean="0"/>
-              <a:t>Synchronisierung !</a:t>
-            </a:r>
-          </a:p>
-          <a:p>
-            <a:pPr lvl="1"/>
-            <a:r>
-              <a:rPr lang="de-CH" dirty="0" smtClean="0"/>
-              <a:t>Eine Instanz</a:t>
-            </a:r>
-          </a:p>
-          <a:p>
-            <a:pPr lvl="2"/>
-            <a:r>
-              <a:rPr lang="de-CH" dirty="0" smtClean="0"/>
-              <a:t>Architektur</a:t>
-            </a:r>
-          </a:p>
-          <a:p>
-            <a:endParaRPr lang="de-CH" dirty="0" smtClean="0"/>
-          </a:p>
-          <a:p>
-            <a:pPr lvl="2"/>
             <a:endParaRPr lang="de-CH" dirty="0" smtClean="0"/>
           </a:p>
         </p:txBody>
@@ -13639,7 +13728,7 @@
     </p:spTree>
     <p:extLst>
       <p:ext uri="{BB962C8B-B14F-4D97-AF65-F5344CB8AC3E}">
-        <p14:creationId xmlns:p14="http://schemas.microsoft.com/office/powerpoint/2010/main" val="2887831096"/>
+        <p14:creationId xmlns:p14="http://schemas.microsoft.com/office/powerpoint/2010/main" val="689559979"/>
       </p:ext>
     </p:extLst>
   </p:cSld>
